--- a/Matches/Practical Defensive Match - May 2021/North Pistol, A - First Class Hero.pptx
+++ b/Matches/Practical Defensive Match - May 2021/North Pistol, A - First Class Hero.pptx
@@ -335,7 +335,7 @@
               <a:pPr>
                 <a:defRPr/>
               </a:pPr>
-              <a:t>26.04.2021</a:t>
+              <a:t>4/30/21</a:t>
             </a:fld>
             <a:endParaRPr lang="en-US"/>
           </a:p>
@@ -4226,7 +4226,7 @@
           <p:nvPr>
             <p:extLst>
               <p:ext uri="{D42A27DB-BD31-4B8C-83A1-F6EECF244321}">
-                <p14:modId xmlns:p14="http://schemas.microsoft.com/office/powerpoint/2010/main" val="2690260809"/>
+                <p14:modId xmlns:p14="http://schemas.microsoft.com/office/powerpoint/2010/main" val="1740466617"/>
               </p:ext>
             </p:extLst>
           </p:nvPr>
@@ -5096,7 +5096,22 @@
                           <a:ea typeface="ＭＳ Ｐゴシック" pitchFamily="-112" charset="-128"/>
                           <a:cs typeface="Times New Roman" pitchFamily="-112" charset="0"/>
                         </a:rPr>
-                        <a:t>TARGETS:	         7</a:t>
+                        <a:t>TARGETS:	</a:t>
+                      </a:r>
+                      <a:r>
+                        <a:rPr kumimoji="0" lang="en-US" sz="1100" b="1" i="0" u="none" strike="noStrike" cap="none" normalizeH="0" baseline="0">
+                          <a:ln>
+                            <a:noFill/>
+                          </a:ln>
+                          <a:solidFill>
+                            <a:schemeClr val="tx1"/>
+                          </a:solidFill>
+                          <a:effectLst/>
+                          <a:latin typeface="Arial" charset="0"/>
+                          <a:ea typeface="ＭＳ Ｐゴシック" pitchFamily="-112" charset="-128"/>
+                          <a:cs typeface="Times New Roman" pitchFamily="-112" charset="0"/>
+                        </a:rPr>
+                        <a:t>         7 paper</a:t>
                       </a:r>
                       <a:br>
                         <a:rPr kumimoji="0" lang="en-US" sz="1100" b="1" i="0" u="none" strike="noStrike" cap="none" normalizeH="0" baseline="0" dirty="0">

--- a/Matches/Practical Defensive Match - May 2021/North Pistol, A - First Class Hero.pptx
+++ b/Matches/Practical Defensive Match - May 2021/North Pistol, A - First Class Hero.pptx
@@ -335,7 +335,7 @@
               <a:pPr>
                 <a:defRPr/>
               </a:pPr>
-              <a:t>4/30/21</a:t>
+              <a:t>30.04.2021</a:t>
             </a:fld>
             <a:endParaRPr lang="en-US"/>
           </a:p>
@@ -4226,14 +4226,14 @@
           <p:nvPr>
             <p:extLst>
               <p:ext uri="{D42A27DB-BD31-4B8C-83A1-F6EECF244321}">
-                <p14:modId xmlns:p14="http://schemas.microsoft.com/office/powerpoint/2010/main" val="1740466617"/>
+                <p14:modId xmlns:p14="http://schemas.microsoft.com/office/powerpoint/2010/main" val="3218377464"/>
               </p:ext>
             </p:extLst>
           </p:nvPr>
         </p:nvGraphicFramePr>
         <p:xfrm>
           <a:off x="152400" y="152400"/>
-          <a:ext cx="7010400" cy="3810000"/>
+          <a:ext cx="7010400" cy="3633978"/>
         </p:xfrm>
         <a:graphic>
           <a:graphicData uri="http://schemas.openxmlformats.org/drawingml/2006/table">
@@ -4875,27 +4875,24 @@
                           <a:ea typeface="ＭＳ Ｐゴシック" pitchFamily="-112" charset="-128"/>
                           <a:cs typeface="Times New Roman" pitchFamily="-112" charset="0"/>
                         </a:rPr>
-                        <a:t>PCC: Stock on belt, muzzle pointed downrange</a:t>
+                        <a:t>PCC: Stock on belt, muzzle </a:t>
                       </a:r>
-                    </a:p>
-                    <a:p>
-                      <a:pPr marL="0" marR="0" lvl="0" indent="0" algn="l" defTabSz="966788" rtl="0" eaLnBrk="1" fontAlgn="base" latinLnBrk="0" hangingPunct="1">
-                        <a:lnSpc>
-                          <a:spcPct val="100000"/>
-                        </a:lnSpc>
-                        <a:spcBef>
-                          <a:spcPct val="5000"/>
-                        </a:spcBef>
-                        <a:spcAft>
-                          <a:spcPct val="0"/>
-                        </a:spcAft>
-                        <a:buClrTx/>
-                        <a:buSzTx/>
-                        <a:buFontTx/>
-                        <a:buNone/>
-                        <a:tabLst/>
-                      </a:pPr>
-                      <a:endParaRPr kumimoji="0" lang="en-US" sz="1100" b="1" i="0" u="none" strike="noStrike" cap="none" normalizeH="0" baseline="0" dirty="0">
+                      <a:r>
+                        <a:rPr kumimoji="0" lang="en-US" sz="1100" b="0" i="0" u="none" strike="noStrike" cap="none" normalizeH="0" baseline="0">
+                          <a:ln>
+                            <a:noFill/>
+                          </a:ln>
+                          <a:solidFill>
+                            <a:schemeClr val="tx1"/>
+                          </a:solidFill>
+                          <a:effectLst/>
+                          <a:latin typeface="Arial" charset="0"/>
+                          <a:ea typeface="ＭＳ Ｐゴシック" pitchFamily="-112" charset="-128"/>
+                          <a:cs typeface="Times New Roman" pitchFamily="-112" charset="0"/>
+                        </a:rPr>
+                        <a:t>pointed downrange</a:t>
+                      </a:r>
+                      <a:endParaRPr kumimoji="0" lang="en-US" sz="1100" b="0" i="0" u="none" strike="noStrike" cap="none" normalizeH="0" baseline="0" dirty="0">
                         <a:ln>
                           <a:noFill/>
                         </a:ln>
